--- a/Presentations/Dictionary.pptx
+++ b/Presentations/Dictionary.pptx
@@ -264,7 +264,7 @@
             <a:fld id="{1D8BD707-D9CF-40AE-B4C6-C98DA3205C09}" type="datetimeFigureOut">
               <a:rPr lang="en-US"/>
               <a:pPr/>
-              <a:t>8/30/2019</a:t>
+              <a:t>9/27/2019</a:t>
             </a:fld>
             <a:endParaRPr lang="en-US"/>
           </a:p>
@@ -442,7 +442,7 @@
             <a:fld id="{1D8BD707-D9CF-40AE-B4C6-C98DA3205C09}" type="datetimeFigureOut">
               <a:rPr lang="en-US"/>
               <a:pPr/>
-              <a:t>8/30/2019</a:t>
+              <a:t>9/27/2019</a:t>
             </a:fld>
             <a:endParaRPr lang="en-US"/>
           </a:p>
@@ -659,7 +659,7 @@
             <a:fld id="{1D8BD707-D9CF-40AE-B4C6-C98DA3205C09}" type="datetimeFigureOut">
               <a:rPr lang="en-US"/>
               <a:pPr/>
-              <a:t>8/30/2019</a:t>
+              <a:t>9/27/2019</a:t>
             </a:fld>
             <a:endParaRPr lang="en-US"/>
           </a:p>
@@ -810,7 +810,7 @@
             <a:fld id="{1D8BD707-D9CF-40AE-B4C6-C98DA3205C09}" type="datetimeFigureOut">
               <a:rPr lang="en-US"/>
               <a:pPr/>
-              <a:t>8/30/2019</a:t>
+              <a:t>9/27/2019</a:t>
             </a:fld>
             <a:endParaRPr lang="en-US"/>
           </a:p>
@@ -932,7 +932,7 @@
             <a:fld id="{1D8BD707-D9CF-40AE-B4C6-C98DA3205C09}" type="datetimeFigureOut">
               <a:rPr lang="en-US"/>
               <a:pPr/>
-              <a:t>8/30/2019</a:t>
+              <a:t>9/27/2019</a:t>
             </a:fld>
             <a:endParaRPr lang="en-US"/>
           </a:p>
@@ -1158,7 +1158,7 @@
             <a:fld id="{1D8BD707-D9CF-40AE-B4C6-C98DA3205C09}" type="datetimeFigureOut">
               <a:rPr lang="en-US"/>
               <a:pPr/>
-              <a:t>8/30/2019</a:t>
+              <a:t>9/27/2019</a:t>
             </a:fld>
             <a:endParaRPr lang="en-US"/>
           </a:p>
@@ -1388,7 +1388,7 @@
         <p:spPr>
           <a:xfrm>
             <a:off x="225958" y="1164081"/>
-            <a:ext cx="8252459" cy="1397000"/>
+            <a:ext cx="8252459" cy="889346"/>
           </a:xfrm>
           <a:prstGeom prst="rect">
             <a:avLst/>
@@ -1400,181 +1400,6 @@
           </a:bodyPr>
           <a:lstStyle/>
           <a:p>
-            <a:pPr marL="12700" marR="5080">
-              <a:lnSpc>
-                <a:spcPct val="100000"/>
-              </a:lnSpc>
-              <a:spcBef>
-                <a:spcPts val="95"/>
-              </a:spcBef>
-            </a:pPr>
-            <a:r>
-              <a:rPr sz="1600" spc="-5" dirty="0">
-                <a:latin typeface="Calibri"/>
-                <a:cs typeface="Calibri"/>
-              </a:rPr>
-              <a:t>In a </a:t>
-            </a:r>
-            <a:r>
-              <a:rPr sz="1600" spc="-10" dirty="0">
-                <a:latin typeface="Calibri"/>
-                <a:cs typeface="Calibri"/>
-              </a:rPr>
-              <a:t>general concepts, </a:t>
-            </a:r>
-            <a:r>
-              <a:rPr sz="1600" spc="-5" dirty="0">
-                <a:latin typeface="Calibri"/>
-                <a:cs typeface="Calibri"/>
-              </a:rPr>
-              <a:t>dictionary means </a:t>
-            </a:r>
-            <a:r>
-              <a:rPr sz="1600" spc="-15" dirty="0">
-                <a:latin typeface="Calibri"/>
-                <a:cs typeface="Calibri"/>
-              </a:rPr>
-              <a:t>you have </a:t>
-            </a:r>
-            <a:r>
-              <a:rPr sz="1600" spc="-5" dirty="0">
-                <a:latin typeface="Calibri"/>
-                <a:cs typeface="Calibri"/>
-              </a:rPr>
-              <a:t>an </a:t>
-            </a:r>
-            <a:r>
-              <a:rPr sz="1600" spc="-10" dirty="0">
-                <a:latin typeface="Calibri"/>
-                <a:cs typeface="Calibri"/>
-              </a:rPr>
-              <a:t>'index' </a:t>
-            </a:r>
-            <a:r>
-              <a:rPr sz="1600" spc="-5" dirty="0">
-                <a:latin typeface="Calibri"/>
-                <a:cs typeface="Calibri"/>
-              </a:rPr>
-              <a:t>of </a:t>
-            </a:r>
-            <a:r>
-              <a:rPr sz="1600" spc="-15" dirty="0">
-                <a:latin typeface="Calibri"/>
-                <a:cs typeface="Calibri"/>
-              </a:rPr>
-              <a:t>words </a:t>
-            </a:r>
-            <a:r>
-              <a:rPr sz="1600" spc="-5" dirty="0">
-                <a:latin typeface="Calibri"/>
-                <a:cs typeface="Calibri"/>
-              </a:rPr>
-              <a:t>and </a:t>
-            </a:r>
-            <a:r>
-              <a:rPr sz="1600" spc="-15" dirty="0">
-                <a:latin typeface="Calibri"/>
-                <a:cs typeface="Calibri"/>
-              </a:rPr>
-              <a:t>for </a:t>
-            </a:r>
-            <a:r>
-              <a:rPr sz="1600" spc="-5" dirty="0">
-                <a:latin typeface="Calibri"/>
-                <a:cs typeface="Calibri"/>
-              </a:rPr>
-              <a:t>each of them </a:t>
-            </a:r>
-            <a:r>
-              <a:rPr sz="1600" spc="-15" dirty="0">
-                <a:latin typeface="Calibri"/>
-                <a:cs typeface="Calibri"/>
-              </a:rPr>
-              <a:t>there </a:t>
-            </a:r>
-            <a:r>
-              <a:rPr sz="1600" spc="-5" dirty="0">
-                <a:latin typeface="Calibri"/>
-                <a:cs typeface="Calibri"/>
-              </a:rPr>
-              <a:t>is a  definition. </a:t>
-            </a:r>
-            <a:r>
-              <a:rPr sz="1600" spc="-15" dirty="0">
-                <a:latin typeface="Calibri"/>
-                <a:cs typeface="Calibri"/>
-              </a:rPr>
-              <a:t>For </a:t>
-            </a:r>
-            <a:r>
-              <a:rPr sz="1600" spc="-10" dirty="0">
-                <a:latin typeface="Calibri"/>
-                <a:cs typeface="Calibri"/>
-              </a:rPr>
-              <a:t>example, just </a:t>
-            </a:r>
-            <a:r>
-              <a:rPr sz="1600" spc="-15" dirty="0">
-                <a:latin typeface="Calibri"/>
-                <a:cs typeface="Calibri"/>
-              </a:rPr>
-              <a:t>like </a:t>
-            </a:r>
-            <a:r>
-              <a:rPr sz="1600" spc="-5" dirty="0">
-                <a:latin typeface="Calibri"/>
-                <a:cs typeface="Calibri"/>
-              </a:rPr>
-              <a:t>a telephone </a:t>
-            </a:r>
-            <a:r>
-              <a:rPr sz="1600" spc="-10" dirty="0">
-                <a:latin typeface="Calibri"/>
-                <a:cs typeface="Calibri"/>
-              </a:rPr>
-              <a:t>directory </a:t>
-            </a:r>
-            <a:r>
-              <a:rPr sz="1600" spc="-5" dirty="0">
-                <a:latin typeface="Calibri"/>
-                <a:cs typeface="Calibri"/>
-              </a:rPr>
-              <a:t>or </a:t>
-            </a:r>
-            <a:r>
-              <a:rPr sz="1600" spc="-10" dirty="0">
-                <a:latin typeface="Calibri"/>
-                <a:cs typeface="Calibri"/>
-              </a:rPr>
-              <a:t>address </a:t>
-            </a:r>
-            <a:r>
-              <a:rPr sz="1600" spc="-25" dirty="0">
-                <a:latin typeface="Calibri"/>
-                <a:cs typeface="Calibri"/>
-              </a:rPr>
-              <a:t>register,</a:t>
-            </a:r>
-            <a:r>
-              <a:rPr sz="1600" spc="110" dirty="0">
-                <a:latin typeface="Calibri"/>
-                <a:cs typeface="Calibri"/>
-              </a:rPr>
-              <a:t> </a:t>
-            </a:r>
-            <a:r>
-              <a:rPr sz="1600" spc="-15" dirty="0">
-                <a:latin typeface="Calibri"/>
-                <a:cs typeface="Calibri"/>
-              </a:rPr>
-              <a:t>etc.</a:t>
-            </a:r>
-            <a:endParaRPr sz="1600">
-              <a:latin typeface="Calibri"/>
-              <a:cs typeface="Calibri"/>
-            </a:endParaRPr>
-          </a:p>
-          <a:p>
             <a:pPr marL="12700">
               <a:lnSpc>
                 <a:spcPct val="100000"/>
@@ -1584,143 +1409,139 @@
               </a:spcBef>
             </a:pPr>
             <a:r>
-              <a:rPr sz="1600" dirty="0">
+              <a:rPr smtClean="0">
                 <a:latin typeface="Calibri"/>
                 <a:cs typeface="Calibri"/>
               </a:rPr>
               <a:t>Python </a:t>
             </a:r>
             <a:r>
-              <a:rPr sz="1600" spc="-5" dirty="0">
+              <a:rPr spc="-5" dirty="0">
                 <a:latin typeface="Calibri"/>
                 <a:cs typeface="Calibri"/>
               </a:rPr>
               <a:t>dictionary is an </a:t>
             </a:r>
             <a:r>
-              <a:rPr sz="1600" spc="-10" dirty="0">
+              <a:rPr spc="-10" dirty="0">
                 <a:latin typeface="Calibri"/>
                 <a:cs typeface="Calibri"/>
               </a:rPr>
               <a:t>unordered </a:t>
             </a:r>
             <a:r>
-              <a:rPr sz="1600" spc="-5" dirty="0">
+              <a:rPr spc="-5" dirty="0">
                 <a:latin typeface="Calibri"/>
                 <a:cs typeface="Calibri"/>
               </a:rPr>
               <a:t>collection of items. While other </a:t>
             </a:r>
             <a:r>
-              <a:rPr sz="1600" spc="-10" dirty="0">
+              <a:rPr spc="-10" dirty="0">
                 <a:latin typeface="Calibri"/>
                 <a:cs typeface="Calibri"/>
               </a:rPr>
               <a:t>compound data </a:t>
             </a:r>
             <a:r>
-              <a:rPr sz="1600" spc="-5" dirty="0">
+              <a:rPr spc="-5" dirty="0">
                 <a:latin typeface="Calibri"/>
                 <a:cs typeface="Calibri"/>
               </a:rPr>
               <a:t>types </a:t>
             </a:r>
             <a:r>
-              <a:rPr sz="1600" spc="-15" dirty="0">
+              <a:rPr spc="-15">
                 <a:latin typeface="Calibri"/>
                 <a:cs typeface="Calibri"/>
               </a:rPr>
               <a:t>have</a:t>
             </a:r>
             <a:r>
-              <a:rPr sz="1600" spc="229" dirty="0">
+              <a:rPr spc="229">
                 <a:latin typeface="Calibri"/>
                 <a:cs typeface="Calibri"/>
               </a:rPr>
               <a:t> </a:t>
             </a:r>
             <a:r>
-              <a:rPr sz="1600" spc="-5" dirty="0">
+              <a:rPr spc="-5" smtClean="0">
                 <a:latin typeface="Calibri"/>
                 <a:cs typeface="Calibri"/>
               </a:rPr>
               <a:t>only</a:t>
             </a:r>
-            <a:endParaRPr sz="1600">
-              <a:latin typeface="Calibri"/>
-              <a:cs typeface="Calibri"/>
-            </a:endParaRPr>
-          </a:p>
-          <a:p>
-            <a:pPr marL="12700">
-              <a:lnSpc>
-                <a:spcPct val="100000"/>
-              </a:lnSpc>
-            </a:pPr>
-            <a:r>
-              <a:rPr sz="1600" spc="-10" dirty="0">
+            <a:r>
+              <a:rPr lang="en-US" spc="-5" dirty="0" smtClean="0">
+                <a:latin typeface="Calibri"/>
+                <a:cs typeface="Calibri"/>
+              </a:rPr>
+              <a:t> </a:t>
+            </a:r>
+            <a:r>
+              <a:rPr spc="-10" smtClean="0">
                 <a:latin typeface="Calibri"/>
                 <a:cs typeface="Calibri"/>
               </a:rPr>
               <a:t>value </a:t>
             </a:r>
             <a:r>
-              <a:rPr sz="1600" spc="-5" dirty="0">
+              <a:rPr spc="-5" dirty="0">
                 <a:latin typeface="Calibri"/>
                 <a:cs typeface="Calibri"/>
               </a:rPr>
               <a:t>as an element, a </a:t>
             </a:r>
             <a:r>
-              <a:rPr sz="1600" dirty="0">
+              <a:rPr dirty="0">
                 <a:latin typeface="Calibri"/>
                 <a:cs typeface="Calibri"/>
               </a:rPr>
               <a:t>dictionary </a:t>
             </a:r>
             <a:r>
-              <a:rPr sz="1600" spc="-5" dirty="0">
+              <a:rPr spc="-5" dirty="0">
                 <a:latin typeface="Calibri"/>
                 <a:cs typeface="Calibri"/>
               </a:rPr>
               <a:t>has a </a:t>
             </a:r>
             <a:r>
-              <a:rPr sz="1600" b="1" spc="-25" dirty="0">
+              <a:rPr b="1" spc="-25" dirty="0">
                 <a:latin typeface="Calibri"/>
                 <a:cs typeface="Calibri"/>
               </a:rPr>
               <a:t>key </a:t>
             </a:r>
             <a:r>
-              <a:rPr sz="1600" b="1" spc="-5" dirty="0">
+              <a:rPr b="1" spc="-5" dirty="0">
                 <a:latin typeface="Calibri"/>
                 <a:cs typeface="Calibri"/>
               </a:rPr>
               <a:t>: </a:t>
             </a:r>
             <a:r>
-              <a:rPr sz="1600" b="1" spc="-10" dirty="0">
+              <a:rPr b="1" spc="-10" dirty="0">
                 <a:latin typeface="Calibri"/>
                 <a:cs typeface="Calibri"/>
               </a:rPr>
               <a:t>value</a:t>
             </a:r>
             <a:r>
-              <a:rPr sz="1600" b="1" spc="-15" dirty="0">
+              <a:rPr b="1" spc="-15" dirty="0">
                 <a:latin typeface="Calibri"/>
                 <a:cs typeface="Calibri"/>
               </a:rPr>
               <a:t> </a:t>
             </a:r>
             <a:r>
-              <a:rPr sz="1600" spc="-35" dirty="0">
+              <a:rPr spc="-35" dirty="0">
                 <a:latin typeface="Calibri"/>
                 <a:cs typeface="Calibri"/>
               </a:rPr>
               <a:t>pair.</a:t>
             </a:r>
-            <a:endParaRPr sz="1600">
+            <a:endParaRPr>
               <a:latin typeface="Calibri"/>
               <a:cs typeface="Calibri"/>
             </a:endParaRPr>
@@ -1975,25 +1796,25 @@
                         </a:lnSpc>
                       </a:pPr>
                       <a:r>
-                        <a:rPr sz="1600" spc="-10" dirty="0">
-                          <a:latin typeface="Calibri"/>
-                          <a:cs typeface="Calibri"/>
-                        </a:rPr>
-                        <a:t>"ELENA</a:t>
-                      </a:r>
-                      <a:r>
-                        <a:rPr sz="1600" spc="15" dirty="0">
-                          <a:latin typeface="Calibri"/>
-                          <a:cs typeface="Calibri"/>
-                        </a:rPr>
-                        <a:t> </a:t>
-                      </a:r>
-                      <a:r>
-                        <a:rPr sz="1600" spc="-10" dirty="0">
-                          <a:latin typeface="Calibri"/>
-                          <a:cs typeface="Calibri"/>
-                        </a:rPr>
-                        <a:t>JOSE"</a:t>
+                        <a:rPr sz="1600" spc="-10" smtClean="0">
+                          <a:latin typeface="Calibri"/>
+                          <a:cs typeface="Calibri"/>
+                        </a:rPr>
+                        <a:t>"</a:t>
+                      </a:r>
+                      <a:r>
+                        <a:rPr lang="en-US" sz="1600" spc="-10" dirty="0" err="1" smtClean="0">
+                          <a:latin typeface="Calibri"/>
+                          <a:cs typeface="Calibri"/>
+                        </a:rPr>
+                        <a:t>Divya</a:t>
+                      </a:r>
+                      <a:r>
+                        <a:rPr sz="1600" spc="-10" smtClean="0">
+                          <a:latin typeface="Calibri"/>
+                          <a:cs typeface="Calibri"/>
+                        </a:rPr>
+                        <a:t>"</a:t>
                       </a:r>
                       <a:endParaRPr sz="1600">
                         <a:latin typeface="Calibri"/>
@@ -2192,25 +2013,25 @@
                         </a:spcBef>
                       </a:pPr>
                       <a:r>
-                        <a:rPr sz="1600" spc="-10" dirty="0">
-                          <a:latin typeface="Calibri"/>
-                          <a:cs typeface="Calibri"/>
-                        </a:rPr>
-                        <a:t>"JOEFFIN</a:t>
-                      </a:r>
-                      <a:r>
-                        <a:rPr sz="1600" spc="30" dirty="0">
-                          <a:latin typeface="Calibri"/>
-                          <a:cs typeface="Calibri"/>
-                        </a:rPr>
-                        <a:t> </a:t>
-                      </a:r>
-                      <a:r>
-                        <a:rPr sz="1600" spc="-10" dirty="0">
-                          <a:latin typeface="Calibri"/>
-                          <a:cs typeface="Calibri"/>
-                        </a:rPr>
-                        <a:t>JOSEPH"</a:t>
+                        <a:rPr sz="1600" spc="-10" smtClean="0">
+                          <a:latin typeface="Calibri"/>
+                          <a:cs typeface="Calibri"/>
+                        </a:rPr>
+                        <a:t>"</a:t>
+                      </a:r>
+                      <a:r>
+                        <a:rPr lang="en-US" sz="1600" spc="-10" dirty="0" err="1" smtClean="0">
+                          <a:latin typeface="Calibri"/>
+                          <a:cs typeface="Calibri"/>
+                        </a:rPr>
+                        <a:t>Pushkar</a:t>
+                      </a:r>
+                      <a:r>
+                        <a:rPr sz="1600" spc="-10" smtClean="0">
+                          <a:latin typeface="Calibri"/>
+                          <a:cs typeface="Calibri"/>
+                        </a:rPr>
+                        <a:t>"</a:t>
                       </a:r>
                       <a:endParaRPr sz="1600">
                         <a:latin typeface="Calibri"/>
@@ -3100,7 +2921,7 @@
         <p:spPr>
           <a:xfrm>
             <a:off x="383540" y="4441316"/>
-            <a:ext cx="7988300" cy="1808480"/>
+            <a:ext cx="7988300" cy="1894749"/>
           </a:xfrm>
           <a:prstGeom prst="rect">
             <a:avLst/>
@@ -3355,137 +3176,144 @@
               </a:lnSpc>
             </a:pPr>
             <a:r>
-              <a:rPr sz="1600" spc="-5" dirty="0">
+              <a:rPr spc="-5" dirty="0">
                 <a:latin typeface="Calibri"/>
                 <a:cs typeface="Calibri"/>
               </a:rPr>
               <a:t>Dictionaries </a:t>
             </a:r>
             <a:r>
-              <a:rPr sz="1600" spc="-15" dirty="0">
+              <a:rPr spc="-15" dirty="0">
                 <a:latin typeface="Calibri"/>
                 <a:cs typeface="Calibri"/>
               </a:rPr>
               <a:t>are Python’s </a:t>
             </a:r>
             <a:r>
-              <a:rPr sz="1600" dirty="0">
+              <a:rPr dirty="0">
                 <a:latin typeface="Calibri"/>
                 <a:cs typeface="Calibri"/>
               </a:rPr>
               <a:t>built-in </a:t>
             </a:r>
             <a:r>
-              <a:rPr sz="1600" spc="-5" dirty="0">
+              <a:rPr spc="-5" dirty="0">
                 <a:latin typeface="Calibri"/>
                 <a:cs typeface="Calibri"/>
               </a:rPr>
               <a:t>mapping type. A map </a:t>
             </a:r>
             <a:r>
-              <a:rPr sz="1600" dirty="0">
+              <a:rPr dirty="0">
                 <a:latin typeface="Calibri"/>
                 <a:cs typeface="Calibri"/>
               </a:rPr>
               <a:t>is </a:t>
             </a:r>
             <a:r>
-              <a:rPr sz="1600" spc="-5" dirty="0">
+              <a:rPr spc="-5" dirty="0">
                 <a:latin typeface="Calibri"/>
                 <a:cs typeface="Calibri"/>
               </a:rPr>
               <a:t>an </a:t>
             </a:r>
             <a:r>
-              <a:rPr sz="1600" spc="-10" dirty="0">
+              <a:rPr spc="-10" dirty="0">
                 <a:latin typeface="Calibri"/>
                 <a:cs typeface="Calibri"/>
               </a:rPr>
               <a:t>unordered, </a:t>
             </a:r>
             <a:r>
-              <a:rPr sz="1600" spc="-5" dirty="0">
+              <a:rPr spc="-5" dirty="0">
                 <a:latin typeface="Calibri"/>
                 <a:cs typeface="Calibri"/>
               </a:rPr>
               <a:t>associative </a:t>
             </a:r>
             <a:r>
-              <a:rPr sz="1600" spc="-10" dirty="0">
+              <a:rPr spc="-10" dirty="0">
                 <a:latin typeface="Calibri"/>
                 <a:cs typeface="Calibri"/>
               </a:rPr>
               <a:t>collection </a:t>
             </a:r>
             <a:r>
-              <a:rPr sz="1600" spc="-5" dirty="0">
+              <a:rPr spc="-5" dirty="0">
                 <a:latin typeface="Calibri"/>
                 <a:cs typeface="Calibri"/>
               </a:rPr>
               <a:t>as  </a:t>
             </a:r>
             <a:r>
-              <a:rPr sz="1600" spc="-15" dirty="0">
+              <a:rPr spc="-15" dirty="0">
                 <a:latin typeface="Calibri"/>
                 <a:cs typeface="Calibri"/>
               </a:rPr>
               <a:t>you </a:t>
             </a:r>
             <a:r>
-              <a:rPr sz="1600" spc="-10" dirty="0">
+              <a:rPr spc="-10" dirty="0">
                 <a:latin typeface="Calibri"/>
                 <a:cs typeface="Calibri"/>
               </a:rPr>
               <a:t>saw </a:t>
             </a:r>
             <a:r>
-              <a:rPr sz="1600" spc="-5" dirty="0">
+              <a:rPr spc="-5" dirty="0">
                 <a:latin typeface="Calibri"/>
                 <a:cs typeface="Calibri"/>
               </a:rPr>
               <a:t>in the </a:t>
             </a:r>
             <a:r>
-              <a:rPr sz="1600" spc="-10" dirty="0">
+              <a:rPr spc="-10" dirty="0">
                 <a:latin typeface="Calibri"/>
                 <a:cs typeface="Calibri"/>
               </a:rPr>
               <a:t>above </a:t>
             </a:r>
             <a:r>
-              <a:rPr sz="1600" b="1" spc="-25" dirty="0">
+              <a:rPr b="1" spc="-25" dirty="0">
                 <a:latin typeface="Calibri"/>
                 <a:cs typeface="Calibri"/>
               </a:rPr>
               <a:t>key </a:t>
             </a:r>
             <a:r>
-              <a:rPr sz="1600" b="1" spc="-5" dirty="0">
+              <a:rPr b="1" spc="-5" dirty="0">
                 <a:latin typeface="Calibri"/>
                 <a:cs typeface="Calibri"/>
               </a:rPr>
               <a:t>: </a:t>
             </a:r>
             <a:r>
-              <a:rPr sz="1600" b="1" spc="-10" dirty="0">
+              <a:rPr b="1" spc="-10" dirty="0">
                 <a:latin typeface="Calibri"/>
                 <a:cs typeface="Calibri"/>
               </a:rPr>
               <a:t>value</a:t>
             </a:r>
             <a:r>
-              <a:rPr sz="1600" b="1" spc="105" dirty="0">
+              <a:rPr b="1" spc="105" dirty="0">
                 <a:latin typeface="Calibri"/>
                 <a:cs typeface="Calibri"/>
               </a:rPr>
               <a:t> </a:t>
             </a:r>
             <a:r>
+              <a:rPr spc="-40" dirty="0">
+                <a:latin typeface="Calibri"/>
+                <a:cs typeface="Calibri"/>
+              </a:rPr>
+              <a:t>pair</a:t>
+            </a:r>
+            <a:r>
               <a:rPr sz="1600" spc="-40" dirty="0">
                 <a:latin typeface="Calibri"/>
                 <a:cs typeface="Calibri"/>
               </a:rPr>
-              <a:t>pair.</a:t>
+              <a:t>.</a:t>
             </a:r>
             <a:endParaRPr sz="1600">
               <a:latin typeface="Calibri"/>
@@ -3540,6 +3368,13 @@
   <p:clrMapOvr>
     <a:masterClrMapping/>
   </p:clrMapOvr>
+  <p:timing>
+    <p:tnLst>
+      <p:par>
+        <p:cTn id="1" dur="indefinite" restart="never" nodeType="tmRoot"/>
+      </p:par>
+    </p:tnLst>
+  </p:timing>
 </p:sld>
 </file>
 
@@ -5313,6 +5148,13 @@
   <p:clrMapOvr>
     <a:masterClrMapping/>
   </p:clrMapOvr>
+  <p:timing>
+    <p:tnLst>
+      <p:par>
+        <p:cTn id="1" dur="indefinite" restart="never" nodeType="tmRoot"/>
+      </p:par>
+    </p:tnLst>
+  </p:timing>
 </p:sld>
 </file>
 
@@ -6573,6 +6415,13 @@
   <p:clrMapOvr>
     <a:masterClrMapping/>
   </p:clrMapOvr>
+  <p:timing>
+    <p:tnLst>
+      <p:par>
+        <p:cTn id="1" dur="indefinite" restart="never" nodeType="tmRoot"/>
+      </p:par>
+    </p:tnLst>
+  </p:timing>
 </p:sld>
 </file>
 
@@ -6960,6 +6809,13 @@
   <p:clrMapOvr>
     <a:masterClrMapping/>
   </p:clrMapOvr>
+  <p:timing>
+    <p:tnLst>
+      <p:par>
+        <p:cTn id="1" dur="indefinite" restart="never" nodeType="tmRoot"/>
+      </p:par>
+    </p:tnLst>
+  </p:timing>
 </p:sld>
 </file>
 
@@ -7570,6 +7426,13 @@
   <p:clrMapOvr>
     <a:masterClrMapping/>
   </p:clrMapOvr>
+  <p:timing>
+    <p:tnLst>
+      <p:par>
+        <p:cTn id="1" dur="indefinite" restart="never" nodeType="tmRoot"/>
+      </p:par>
+    </p:tnLst>
+  </p:timing>
 </p:sld>
 </file>
 
@@ -8207,6 +8070,13 @@
   <p:clrMapOvr>
     <a:masterClrMapping/>
   </p:clrMapOvr>
+  <p:timing>
+    <p:tnLst>
+      <p:par>
+        <p:cTn id="1" dur="indefinite" restart="never" nodeType="tmRoot"/>
+      </p:par>
+    </p:tnLst>
+  </p:timing>
 </p:sld>
 </file>
 
@@ -9004,6 +8874,13 @@
   <p:clrMapOvr>
     <a:masterClrMapping/>
   </p:clrMapOvr>
+  <p:timing>
+    <p:tnLst>
+      <p:par>
+        <p:cTn id="1" dur="indefinite" restart="never" nodeType="tmRoot"/>
+      </p:par>
+    </p:tnLst>
+  </p:timing>
 </p:sld>
 </file>
 
@@ -9033,7 +8910,7 @@
         <p:spPr>
           <a:xfrm>
             <a:off x="459740" y="543813"/>
-            <a:ext cx="2941320" cy="4658995"/>
+            <a:ext cx="8227060" cy="3982500"/>
           </a:xfrm>
           <a:prstGeom prst="rect">
             <a:avLst/>
@@ -9394,7 +9271,32 @@
                 <a:latin typeface="Calibri"/>
                 <a:cs typeface="Calibri"/>
               </a:rPr>
-              <a:t>int(input("Enter year"))  </a:t>
+              <a:t>int(input("Enter year</a:t>
+            </a:r>
+            <a:r>
+              <a:rPr sz="1600" spc="-10">
+                <a:latin typeface="Calibri"/>
+                <a:cs typeface="Calibri"/>
+              </a:rPr>
+              <a:t>")) </a:t>
+            </a:r>
+            <a:endParaRPr lang="en-US" sz="1600" spc="-10" dirty="0" smtClean="0">
+              <a:latin typeface="Calibri"/>
+              <a:cs typeface="Calibri"/>
+            </a:endParaRPr>
+          </a:p>
+          <a:p>
+            <a:pPr marL="196850" marR="338455">
+              <a:lnSpc>
+                <a:spcPct val="100000"/>
+              </a:lnSpc>
+            </a:pPr>
+            <a:r>
+              <a:rPr sz="1600" spc="-10" smtClean="0">
+                <a:latin typeface="Calibri"/>
+                <a:cs typeface="Calibri"/>
+              </a:rPr>
+              <a:t> </a:t>
             </a:r>
             <a:r>
               <a:rPr sz="1600" spc="-5" dirty="0">
@@ -9408,7 +9310,39 @@
                 <a:latin typeface="Calibri"/>
                 <a:cs typeface="Calibri"/>
               </a:rPr>
-              <a:t>int(input("Enter month"))  years.append(m)  </a:t>
+              <a:t>int(input("Enter month</a:t>
+            </a:r>
+            <a:r>
+              <a:rPr sz="1600" spc="-10">
+                <a:latin typeface="Calibri"/>
+                <a:cs typeface="Calibri"/>
+              </a:rPr>
+              <a:t>")) </a:t>
+            </a:r>
+            <a:endParaRPr lang="en-US" sz="1600" spc="-10" dirty="0" smtClean="0">
+              <a:latin typeface="Calibri"/>
+              <a:cs typeface="Calibri"/>
+            </a:endParaRPr>
+          </a:p>
+          <a:p>
+            <a:pPr marL="196850" marR="338455">
+              <a:lnSpc>
+                <a:spcPct val="100000"/>
+              </a:lnSpc>
+            </a:pPr>
+            <a:r>
+              <a:rPr sz="1600" spc="-10" smtClean="0">
+                <a:latin typeface="Calibri"/>
+                <a:cs typeface="Calibri"/>
+              </a:rPr>
+              <a:t> </a:t>
+            </a:r>
+            <a:r>
+              <a:rPr sz="1600" spc="-10" dirty="0">
+                <a:latin typeface="Calibri"/>
+                <a:cs typeface="Calibri"/>
+              </a:rPr>
+              <a:t>years.append(m)  </a:t>
             </a:r>
             <a:r>
               <a:rPr sz="1600" spc="-5" dirty="0">
@@ -9461,14 +9395,39 @@
                 <a:latin typeface="Calibri"/>
                 <a:cs typeface="Calibri"/>
               </a:rPr>
-              <a:t>in Dictionary  </a:t>
-            </a:r>
-            <a:r>
-              <a:rPr sz="1600" spc="-10" dirty="0">
-                <a:latin typeface="Calibri"/>
-                <a:cs typeface="Calibri"/>
-              </a:rPr>
-              <a:t>d["year"] </a:t>
+              <a:t>in </a:t>
+            </a:r>
+            <a:r>
+              <a:rPr sz="1600" spc="-5">
+                <a:latin typeface="Calibri"/>
+                <a:cs typeface="Calibri"/>
+              </a:rPr>
+              <a:t>Dictionary  </a:t>
+            </a:r>
+            <a:endParaRPr lang="en-US" sz="1600" spc="-5" dirty="0" smtClean="0">
+              <a:latin typeface="Calibri"/>
+              <a:cs typeface="Calibri"/>
+            </a:endParaRPr>
+          </a:p>
+          <a:p>
+            <a:pPr marL="12700" marR="735330" indent="45720">
+              <a:lnSpc>
+                <a:spcPct val="100000"/>
+              </a:lnSpc>
+            </a:pPr>
+            <a:r>
+              <a:rPr sz="1600" spc="-10" smtClean="0">
+                <a:latin typeface="Calibri"/>
+                <a:cs typeface="Calibri"/>
+              </a:rPr>
+              <a:t>d</a:t>
+            </a:r>
+            <a:r>
+              <a:rPr sz="1600" spc="-10" dirty="0">
+                <a:latin typeface="Calibri"/>
+                <a:cs typeface="Calibri"/>
+              </a:rPr>
+              <a:t>["year"] </a:t>
             </a:r>
             <a:r>
               <a:rPr sz="1600" spc="-5" dirty="0">
@@ -9478,18 +9437,36 @@
               <a:t>= </a:t>
             </a:r>
             <a:r>
-              <a:rPr sz="1600" spc="-15" dirty="0">
+              <a:rPr sz="1600" spc="-15">
                 <a:latin typeface="Calibri"/>
                 <a:cs typeface="Calibri"/>
               </a:rPr>
               <a:t>years  </a:t>
             </a:r>
-            <a:r>
-              <a:rPr sz="1600" spc="-10" dirty="0">
-                <a:latin typeface="Calibri"/>
-                <a:cs typeface="Calibri"/>
-              </a:rPr>
-              <a:t>d["month"]=month</a:t>
+            <a:endParaRPr lang="en-US" sz="1600" spc="-15" dirty="0" smtClean="0">
+              <a:latin typeface="Calibri"/>
+              <a:cs typeface="Calibri"/>
+            </a:endParaRPr>
+          </a:p>
+          <a:p>
+            <a:pPr marL="12700" marR="735330" indent="45720">
+              <a:lnSpc>
+                <a:spcPct val="100000"/>
+              </a:lnSpc>
+            </a:pPr>
+            <a:r>
+              <a:rPr sz="1600" spc="-10" smtClean="0">
+                <a:latin typeface="Calibri"/>
+                <a:cs typeface="Calibri"/>
+              </a:rPr>
+              <a:t>d</a:t>
+            </a:r>
+            <a:r>
+              <a:rPr sz="1600" spc="-10" dirty="0">
+                <a:latin typeface="Calibri"/>
+                <a:cs typeface="Calibri"/>
+              </a:rPr>
+              <a:t>["month"]=month</a:t>
             </a:r>
             <a:endParaRPr sz="1600">
               <a:latin typeface="Calibri"/>
@@ -9535,6 +9512,13 @@
   <p:clrMapOvr>
     <a:masterClrMapping/>
   </p:clrMapOvr>
+  <p:timing>
+    <p:tnLst>
+      <p:par>
+        <p:cTn id="1" dur="indefinite" restart="never" nodeType="tmRoot"/>
+      </p:par>
+    </p:tnLst>
+  </p:timing>
 </p:sld>
 </file>
 
@@ -9563,8 +9547,8 @@
         </p:nvSpPr>
         <p:spPr>
           <a:xfrm>
-            <a:off x="459740" y="543813"/>
-            <a:ext cx="5235575" cy="4415155"/>
+            <a:off x="304800" y="543812"/>
+            <a:ext cx="8534400" cy="4451860"/>
           </a:xfrm>
           <a:prstGeom prst="rect">
             <a:avLst/>
@@ -9605,11 +9589,7 @@
             </a:endParaRPr>
           </a:p>
           <a:p>
-            <a:pPr marL="12700" marR="5080">
-              <a:lnSpc>
-                <a:spcPct val="200000"/>
-              </a:lnSpc>
-            </a:pPr>
+            <a:pPr marL="12700" marR="5080"/>
             <a:r>
               <a:rPr sz="1600" b="1" spc="-15" dirty="0">
                 <a:solidFill>
@@ -9691,7 +9671,7 @@
               <a:t>square upto </a:t>
             </a:r>
             <a:r>
-              <a:rPr sz="1600" spc="-5" dirty="0">
+              <a:rPr sz="1600" spc="-5">
                 <a:solidFill>
                   <a:srgbClr val="FF0000"/>
                 </a:solidFill>
@@ -9700,129 +9680,157 @@
               </a:rPr>
               <a:t>n  </a:t>
             </a:r>
-            <a:r>
-              <a:rPr sz="1600" spc="-5" dirty="0">
-                <a:latin typeface="Calibri"/>
-                <a:cs typeface="Calibri"/>
-              </a:rPr>
-              <a:t>n = int(input(" </a:t>
-            </a:r>
-            <a:r>
-              <a:rPr sz="1600" spc="-10" dirty="0">
-                <a:latin typeface="Calibri"/>
-                <a:cs typeface="Calibri"/>
-              </a:rPr>
-              <a:t>Enter </a:t>
-            </a:r>
-            <a:r>
-              <a:rPr sz="1600" spc="-5" dirty="0">
-                <a:latin typeface="Calibri"/>
-                <a:cs typeface="Calibri"/>
-              </a:rPr>
-              <a:t>a </a:t>
-            </a:r>
-            <a:r>
-              <a:rPr sz="1600" spc="-10" dirty="0">
-                <a:latin typeface="Calibri"/>
-                <a:cs typeface="Calibri"/>
-              </a:rPr>
-              <a:t>number</a:t>
-            </a:r>
-            <a:r>
-              <a:rPr sz="1600" dirty="0">
-                <a:latin typeface="Calibri"/>
-                <a:cs typeface="Calibri"/>
-              </a:rPr>
-              <a:t> </a:t>
-            </a:r>
-            <a:r>
-              <a:rPr sz="1600" spc="-5" dirty="0">
-                <a:latin typeface="Calibri"/>
-                <a:cs typeface="Calibri"/>
-              </a:rPr>
-              <a:t>"))</a:t>
-            </a:r>
-            <a:endParaRPr sz="1600">
+            <a:endParaRPr lang="en-US" sz="1600" spc="-5" dirty="0" smtClean="0">
+              <a:solidFill>
+                <a:srgbClr val="FF0000"/>
+              </a:solidFill>
               <a:latin typeface="Calibri"/>
               <a:cs typeface="Calibri"/>
             </a:endParaRPr>
           </a:p>
           <a:p>
-            <a:pPr marL="12700">
-              <a:lnSpc>
-                <a:spcPct val="100000"/>
-              </a:lnSpc>
-            </a:pPr>
-            <a:r>
-              <a:rPr sz="1600" spc="-10" dirty="0">
-                <a:latin typeface="Calibri"/>
-                <a:cs typeface="Calibri"/>
-              </a:rPr>
-              <a:t>print( </a:t>
-            </a:r>
-            <a:r>
-              <a:rPr sz="1600" spc="-5" dirty="0">
-                <a:latin typeface="Calibri"/>
-                <a:cs typeface="Calibri"/>
-              </a:rPr>
-              <a:t>dict([(x, </a:t>
-            </a:r>
-            <a:r>
-              <a:rPr sz="1600" spc="-10" dirty="0">
-                <a:latin typeface="Calibri"/>
-                <a:cs typeface="Calibri"/>
-              </a:rPr>
-              <a:t>x**2) </a:t>
-            </a:r>
-            <a:r>
-              <a:rPr sz="1600" spc="-15" dirty="0">
-                <a:latin typeface="Calibri"/>
-                <a:cs typeface="Calibri"/>
-              </a:rPr>
-              <a:t>for </a:t>
-            </a:r>
-            <a:r>
-              <a:rPr sz="1600" spc="-5" dirty="0">
-                <a:latin typeface="Calibri"/>
-                <a:cs typeface="Calibri"/>
-              </a:rPr>
-              <a:t>x in </a:t>
-            </a:r>
-            <a:r>
-              <a:rPr sz="1600" spc="-15" dirty="0">
-                <a:latin typeface="Calibri"/>
-                <a:cs typeface="Calibri"/>
-              </a:rPr>
-              <a:t>range(1,</a:t>
-            </a:r>
-            <a:r>
-              <a:rPr sz="1600" spc="75" dirty="0">
+            <a:pPr marL="12700" marR="5080"/>
+            <a:r>
+              <a:rPr sz="1600" spc="-5" smtClean="0">
+                <a:latin typeface="Calibri"/>
+                <a:cs typeface="Calibri"/>
+              </a:rPr>
+              <a:t>n </a:t>
+            </a:r>
+            <a:r>
+              <a:rPr sz="1600" spc="-5" dirty="0">
+                <a:latin typeface="Calibri"/>
+                <a:cs typeface="Calibri"/>
+              </a:rPr>
+              <a:t>= int(input(" </a:t>
+            </a:r>
+            <a:r>
+              <a:rPr sz="1600" spc="-10" dirty="0">
+                <a:latin typeface="Calibri"/>
+                <a:cs typeface="Calibri"/>
+              </a:rPr>
+              <a:t>Enter </a:t>
+            </a:r>
+            <a:r>
+              <a:rPr sz="1600" spc="-5" dirty="0">
+                <a:latin typeface="Calibri"/>
+                <a:cs typeface="Calibri"/>
+              </a:rPr>
+              <a:t>a </a:t>
+            </a:r>
+            <a:r>
+              <a:rPr sz="1600" spc="-10">
+                <a:latin typeface="Calibri"/>
+                <a:cs typeface="Calibri"/>
+              </a:rPr>
+              <a:t>number</a:t>
+            </a:r>
+            <a:r>
+              <a:rPr sz="1600">
                 <a:latin typeface="Calibri"/>
                 <a:cs typeface="Calibri"/>
               </a:rPr>
               <a:t> </a:t>
             </a:r>
             <a:r>
-              <a:rPr sz="1600" spc="-10" dirty="0">
-                <a:latin typeface="Calibri"/>
-                <a:cs typeface="Calibri"/>
-              </a:rPr>
-              <a:t>n)]))</a:t>
-            </a:r>
-            <a:endParaRPr sz="1600">
+              <a:rPr sz="1600" spc="-5" smtClean="0">
+                <a:latin typeface="Calibri"/>
+                <a:cs typeface="Calibri"/>
+              </a:rPr>
+              <a:t>"))</a:t>
+            </a:r>
+            <a:endParaRPr lang="en-US" sz="1600" spc="-5" dirty="0" smtClean="0">
               <a:latin typeface="Calibri"/>
               <a:cs typeface="Calibri"/>
             </a:endParaRPr>
           </a:p>
           <a:p>
-            <a:pPr>
-              <a:lnSpc>
-                <a:spcPct val="100000"/>
-              </a:lnSpc>
-              <a:spcBef>
-                <a:spcPts val="25"/>
-              </a:spcBef>
-            </a:pPr>
+            <a:pPr marL="12700" marR="5080"/>
+            <a:r>
+              <a:rPr lang="en-US" sz="1600" spc="-15" dirty="0" smtClean="0">
+                <a:cs typeface="Calibri"/>
+              </a:rPr>
+              <a:t>for </a:t>
+            </a:r>
+            <a:r>
+              <a:rPr lang="en-US" sz="1600" spc="-5" dirty="0" smtClean="0">
+                <a:cs typeface="Calibri"/>
+              </a:rPr>
+              <a:t>x in </a:t>
+            </a:r>
+            <a:r>
+              <a:rPr lang="en-US" sz="1600" spc="-15" dirty="0" smtClean="0">
+                <a:cs typeface="Calibri"/>
+              </a:rPr>
+              <a:t>range(1,</a:t>
+            </a:r>
+            <a:r>
+              <a:rPr lang="en-US" sz="1600" spc="75" dirty="0" smtClean="0">
+                <a:cs typeface="Calibri"/>
+              </a:rPr>
+              <a:t> </a:t>
+            </a:r>
+            <a:r>
+              <a:rPr lang="en-US" sz="1600" spc="-10" dirty="0" smtClean="0">
+                <a:cs typeface="Calibri"/>
+              </a:rPr>
+              <a:t>n)]))</a:t>
+            </a:r>
+            <a:endParaRPr lang="en-US" sz="1600" dirty="0" smtClean="0">
+              <a:cs typeface="Calibri"/>
+            </a:endParaRPr>
+          </a:p>
+          <a:p>
+            <a:pPr marL="12700"/>
+            <a:r>
+              <a:rPr lang="en-US" sz="1600" spc="-10" dirty="0" smtClean="0">
+                <a:latin typeface="Calibri"/>
+                <a:cs typeface="Calibri"/>
+              </a:rPr>
+              <a:t>      </a:t>
+            </a:r>
+            <a:r>
+              <a:rPr sz="1600" spc="-10" smtClean="0">
+                <a:latin typeface="Calibri"/>
+                <a:cs typeface="Calibri"/>
+              </a:rPr>
+              <a:t>print</a:t>
+            </a:r>
+            <a:r>
+              <a:rPr sz="1600" spc="-10" dirty="0">
+                <a:latin typeface="Calibri"/>
+                <a:cs typeface="Calibri"/>
+              </a:rPr>
+              <a:t>( </a:t>
+            </a:r>
+            <a:r>
+              <a:rPr sz="1600" spc="-5" dirty="0">
+                <a:latin typeface="Calibri"/>
+                <a:cs typeface="Calibri"/>
+              </a:rPr>
+              <a:t>dict([(x, </a:t>
+            </a:r>
+            <a:r>
+              <a:rPr sz="1600" spc="-10" dirty="0">
+                <a:latin typeface="Calibri"/>
+                <a:cs typeface="Calibri"/>
+              </a:rPr>
+              <a:t>x**</a:t>
+            </a:r>
+            <a:r>
+              <a:rPr sz="1600" spc="-10">
+                <a:latin typeface="Calibri"/>
+                <a:cs typeface="Calibri"/>
+              </a:rPr>
+              <a:t>2</a:t>
+            </a:r>
+            <a:r>
+              <a:rPr sz="1600" spc="-10" smtClean="0">
+                <a:latin typeface="Calibri"/>
+                <a:cs typeface="Calibri"/>
+              </a:rPr>
+              <a:t>)</a:t>
+            </a:r>
             <a:endParaRPr sz="1650">
               <a:latin typeface="Times New Roman"/>
               <a:cs typeface="Times New Roman"/>
@@ -9834,6 +9842,54 @@
                 <a:spcPct val="100000"/>
               </a:lnSpc>
             </a:pPr>
+            <a:endParaRPr lang="en-US" sz="1600" b="1" spc="-5" dirty="0" smtClean="0">
+              <a:solidFill>
+                <a:srgbClr val="FF0000"/>
+              </a:solidFill>
+              <a:latin typeface="Calibri"/>
+              <a:cs typeface="Calibri"/>
+            </a:endParaRPr>
+          </a:p>
+          <a:p>
+            <a:pPr marL="12700">
+              <a:lnSpc>
+                <a:spcPct val="100000"/>
+              </a:lnSpc>
+            </a:pPr>
+            <a:endParaRPr lang="en-US" sz="1600" b="1" spc="-5" dirty="0" smtClean="0">
+              <a:solidFill>
+                <a:srgbClr val="FF0000"/>
+              </a:solidFill>
+              <a:latin typeface="Calibri"/>
+              <a:cs typeface="Calibri"/>
+            </a:endParaRPr>
+          </a:p>
+          <a:p>
+            <a:pPr marL="12700">
+              <a:lnSpc>
+                <a:spcPct val="100000"/>
+              </a:lnSpc>
+            </a:pPr>
+            <a:r>
+              <a:rPr sz="1600" b="1" spc="-5" smtClean="0">
+                <a:solidFill>
+                  <a:srgbClr val="FF0000"/>
+                </a:solidFill>
+                <a:latin typeface="Calibri"/>
+                <a:cs typeface="Calibri"/>
+              </a:rPr>
+              <a:t>Finding </a:t>
+            </a:r>
+            <a:r>
+              <a:rPr sz="1600" b="1" spc="-10" dirty="0">
+                <a:solidFill>
+                  <a:srgbClr val="FF0000"/>
+                </a:solidFill>
+                <a:latin typeface="Calibri"/>
+                <a:cs typeface="Calibri"/>
+              </a:rPr>
+              <a:t>the frequency </a:t>
+            </a:r>
             <a:r>
               <a:rPr sz="1600" b="1" spc="-5" dirty="0">
                 <a:solidFill>
@@ -9842,7 +9898,7 @@
                 <a:latin typeface="Calibri"/>
                 <a:cs typeface="Calibri"/>
               </a:rPr>
-              <a:t>Finding </a:t>
+              <a:t>of an </a:t>
             </a:r>
             <a:r>
               <a:rPr sz="1600" b="1" spc="-10" dirty="0">
@@ -9852,7 +9908,7 @@
                 <a:latin typeface="Calibri"/>
                 <a:cs typeface="Calibri"/>
               </a:rPr>
-              <a:t>the frequency </a:t>
+              <a:t>item </a:t>
             </a:r>
             <a:r>
               <a:rPr sz="1600" b="1" spc="-5" dirty="0">
@@ -9862,17 +9918,17 @@
                 <a:latin typeface="Calibri"/>
                 <a:cs typeface="Calibri"/>
               </a:rPr>
-              <a:t>of an </a:t>
-            </a:r>
-            <a:r>
-              <a:rPr sz="1600" b="1" spc="-10" dirty="0">
+              <a:t>in list using</a:t>
+            </a:r>
+            <a:r>
+              <a:rPr sz="1600" b="1" spc="100" dirty="0">
                 <a:solidFill>
                   <a:srgbClr val="FF0000"/>
                 </a:solidFill>
                 <a:latin typeface="Calibri"/>
                 <a:cs typeface="Calibri"/>
               </a:rPr>
-              <a:t>item </a:t>
+              <a:t> </a:t>
             </a:r>
             <a:r>
               <a:rPr sz="1600" b="1" spc="-5" dirty="0">
@@ -9882,26 +9938,6 @@
                 <a:latin typeface="Calibri"/>
                 <a:cs typeface="Calibri"/>
               </a:rPr>
-              <a:t>in list using</a:t>
-            </a:r>
-            <a:r>
-              <a:rPr sz="1600" b="1" spc="100" dirty="0">
-                <a:solidFill>
-                  <a:srgbClr val="FF0000"/>
-                </a:solidFill>
-                <a:latin typeface="Calibri"/>
-                <a:cs typeface="Calibri"/>
-              </a:rPr>
-              <a:t> </a:t>
-            </a:r>
-            <a:r>
-              <a:rPr sz="1600" b="1" spc="-5" dirty="0">
-                <a:solidFill>
-                  <a:srgbClr val="FF0000"/>
-                </a:solidFill>
-                <a:latin typeface="Calibri"/>
-                <a:cs typeface="Calibri"/>
-              </a:rPr>
               <a:t>dictionary</a:t>
             </a:r>
             <a:endParaRPr sz="1600">
@@ -9915,12 +9951,30 @@
                 <a:spcPct val="100000"/>
               </a:lnSpc>
             </a:pPr>
-            <a:r>
-              <a:rPr sz="1600" spc="-10" dirty="0">
-                <a:latin typeface="Calibri"/>
-                <a:cs typeface="Calibri"/>
-              </a:rPr>
-              <a:t>my_list =[1, </a:t>
+            <a:endParaRPr lang="en-US" sz="1600" spc="-10" dirty="0" smtClean="0">
+              <a:latin typeface="Calibri"/>
+              <a:cs typeface="Calibri"/>
+            </a:endParaRPr>
+          </a:p>
+          <a:p>
+            <a:pPr marL="12700">
+              <a:lnSpc>
+                <a:spcPct val="100000"/>
+              </a:lnSpc>
+            </a:pPr>
+            <a:r>
+              <a:rPr sz="1600" spc="-10" smtClean="0">
+                <a:latin typeface="Calibri"/>
+                <a:cs typeface="Calibri"/>
+              </a:rPr>
+              <a:t>my_list </a:t>
+            </a:r>
+            <a:r>
+              <a:rPr sz="1600" spc="-10" dirty="0">
+                <a:latin typeface="Calibri"/>
+                <a:cs typeface="Calibri"/>
+              </a:rPr>
+              <a:t>=[1, </a:t>
             </a:r>
             <a:r>
               <a:rPr sz="1600" spc="-5" dirty="0">
@@ -10263,6 +10317,13 @@
   <p:clrMapOvr>
     <a:masterClrMapping/>
   </p:clrMapOvr>
+  <p:timing>
+    <p:tnLst>
+      <p:par>
+        <p:cTn id="1" dur="indefinite" restart="never" nodeType="tmRoot"/>
+      </p:par>
+    </p:tnLst>
+  </p:timing>
 </p:sld>
 </file>
 
@@ -10292,7 +10353,7 @@
         <p:spPr>
           <a:xfrm>
             <a:off x="459740" y="543813"/>
-            <a:ext cx="5412105" cy="5634355"/>
+            <a:ext cx="8074660" cy="2720617"/>
           </a:xfrm>
           <a:prstGeom prst="rect">
             <a:avLst/>
@@ -10706,234 +10767,66 @@
                 <a:latin typeface="Calibri"/>
                 <a:cs typeface="Calibri"/>
               </a:rPr>
-              <a:t>dictionary.  </a:t>
-            </a:r>
-            <a:r>
-              <a:rPr sz="1600" spc="-5" dirty="0">
-                <a:latin typeface="Calibri"/>
-                <a:cs typeface="Calibri"/>
-              </a:rPr>
-              <a:t>d = {1: 10, 2: 20, 3: 30, 4: 40, 5: 50, 6:</a:t>
-            </a:r>
-            <a:r>
-              <a:rPr sz="1600" spc="120" dirty="0">
-                <a:latin typeface="Calibri"/>
-                <a:cs typeface="Calibri"/>
-              </a:rPr>
-              <a:t> </a:t>
-            </a:r>
-            <a:r>
-              <a:rPr sz="1600" spc="-10" dirty="0">
-                <a:latin typeface="Calibri"/>
-                <a:cs typeface="Calibri"/>
-              </a:rPr>
-              <a:t>60}</a:t>
-            </a:r>
-            <a:endParaRPr sz="1600">
+              <a:t>dictionary</a:t>
+            </a:r>
+            <a:r>
+              <a:rPr sz="1600" spc="-15">
+                <a:solidFill>
+                  <a:srgbClr val="FF0000"/>
+                </a:solidFill>
+                <a:latin typeface="Calibri"/>
+                <a:cs typeface="Calibri"/>
+              </a:rPr>
+              <a:t>.  </a:t>
+            </a:r>
+            <a:endParaRPr lang="en-US" sz="1600" spc="-15" dirty="0" smtClean="0">
+              <a:solidFill>
+                <a:srgbClr val="FF0000"/>
+              </a:solidFill>
               <a:latin typeface="Calibri"/>
               <a:cs typeface="Calibri"/>
             </a:endParaRPr>
           </a:p>
           <a:p>
-            <a:pPr marL="12700">
-              <a:lnSpc>
-                <a:spcPct val="100000"/>
-              </a:lnSpc>
-            </a:pPr>
-            <a:r>
-              <a:rPr sz="1600" spc="-10" dirty="0">
-                <a:latin typeface="Calibri"/>
-                <a:cs typeface="Calibri"/>
-              </a:rPr>
-              <a:t>def</a:t>
-            </a:r>
-            <a:r>
-              <a:rPr sz="1600" spc="-5" dirty="0">
+            <a:pPr marL="12700" marR="5080" indent="45720">
+              <a:lnSpc>
+                <a:spcPct val="200000"/>
+              </a:lnSpc>
+            </a:pPr>
+            <a:r>
+              <a:rPr sz="1600" spc="-5" smtClean="0">
+                <a:latin typeface="Calibri"/>
+                <a:cs typeface="Calibri"/>
+              </a:rPr>
+              <a:t>d </a:t>
+            </a:r>
+            <a:r>
+              <a:rPr sz="1600" spc="-5" dirty="0">
+                <a:latin typeface="Calibri"/>
+                <a:cs typeface="Calibri"/>
+              </a:rPr>
+              <a:t>= {1: 10, 2: 20, 3: 30, 4: 40, 5: 50, 6:</a:t>
+            </a:r>
+            <a:r>
+              <a:rPr sz="1600" spc="120" dirty="0">
                 <a:latin typeface="Calibri"/>
                 <a:cs typeface="Calibri"/>
               </a:rPr>
               <a:t> </a:t>
             </a:r>
             <a:r>
-              <a:rPr sz="1600" spc="-15" dirty="0">
-                <a:latin typeface="Calibri"/>
-                <a:cs typeface="Calibri"/>
-              </a:rPr>
-              <a:t>is_key_present(x):</a:t>
-            </a:r>
-            <a:endParaRPr sz="1600">
-              <a:latin typeface="Calibri"/>
-              <a:cs typeface="Calibri"/>
-            </a:endParaRPr>
-          </a:p>
-          <a:p>
-            <a:pPr marL="103505">
-              <a:lnSpc>
-                <a:spcPct val="100000"/>
-              </a:lnSpc>
-            </a:pPr>
-            <a:r>
-              <a:rPr sz="1600" spc="-5" dirty="0">
-                <a:latin typeface="Calibri"/>
-                <a:cs typeface="Calibri"/>
-              </a:rPr>
-              <a:t>if x in</a:t>
-            </a:r>
-            <a:r>
-              <a:rPr sz="1600" spc="-20" dirty="0">
-                <a:latin typeface="Calibri"/>
-                <a:cs typeface="Calibri"/>
-              </a:rPr>
-              <a:t> </a:t>
-            </a:r>
-            <a:r>
-              <a:rPr sz="1600" spc="-10" dirty="0">
-                <a:latin typeface="Calibri"/>
-                <a:cs typeface="Calibri"/>
-              </a:rPr>
-              <a:t>d:</a:t>
-            </a:r>
-            <a:endParaRPr sz="1600">
-              <a:latin typeface="Calibri"/>
-              <a:cs typeface="Calibri"/>
-            </a:endParaRPr>
-          </a:p>
-          <a:p>
-            <a:pPr marL="288290">
-              <a:lnSpc>
-                <a:spcPct val="100000"/>
-              </a:lnSpc>
-            </a:pPr>
-            <a:r>
-              <a:rPr sz="1600" spc="-10" dirty="0">
-                <a:latin typeface="Calibri"/>
-                <a:cs typeface="Calibri"/>
-              </a:rPr>
-              <a:t>print('Key </a:t>
-            </a:r>
-            <a:r>
-              <a:rPr sz="1600" spc="-5" dirty="0">
-                <a:latin typeface="Calibri"/>
-                <a:cs typeface="Calibri"/>
-              </a:rPr>
-              <a:t>is </a:t>
-            </a:r>
-            <a:r>
-              <a:rPr sz="1600" spc="-15" dirty="0">
-                <a:latin typeface="Calibri"/>
-                <a:cs typeface="Calibri"/>
-              </a:rPr>
-              <a:t>present </a:t>
-            </a:r>
-            <a:r>
-              <a:rPr sz="1600" spc="-5" dirty="0">
-                <a:latin typeface="Calibri"/>
-                <a:cs typeface="Calibri"/>
-              </a:rPr>
-              <a:t>in the</a:t>
-            </a:r>
-            <a:r>
-              <a:rPr sz="1600" spc="40" dirty="0">
-                <a:latin typeface="Calibri"/>
-                <a:cs typeface="Calibri"/>
-              </a:rPr>
-              <a:t> </a:t>
-            </a:r>
-            <a:r>
-              <a:rPr sz="1600" spc="-5" dirty="0">
-                <a:latin typeface="Calibri"/>
-                <a:cs typeface="Calibri"/>
-              </a:rPr>
-              <a:t>dictionary')</a:t>
-            </a:r>
-            <a:endParaRPr sz="1600">
-              <a:latin typeface="Calibri"/>
-              <a:cs typeface="Calibri"/>
-            </a:endParaRPr>
-          </a:p>
-          <a:p>
-            <a:pPr marL="103505">
-              <a:lnSpc>
-                <a:spcPct val="100000"/>
-              </a:lnSpc>
-            </a:pPr>
-            <a:r>
-              <a:rPr sz="1600" spc="-5" dirty="0">
-                <a:latin typeface="Calibri"/>
-                <a:cs typeface="Calibri"/>
-              </a:rPr>
-              <a:t>else:</a:t>
-            </a:r>
-            <a:endParaRPr sz="1600">
-              <a:latin typeface="Calibri"/>
-              <a:cs typeface="Calibri"/>
-            </a:endParaRPr>
-          </a:p>
-          <a:p>
-            <a:pPr marL="12700" marR="1642110" indent="275590">
-              <a:lnSpc>
-                <a:spcPct val="100000"/>
-              </a:lnSpc>
-            </a:pPr>
-            <a:r>
-              <a:rPr sz="1600" spc="-10" dirty="0">
-                <a:latin typeface="Calibri"/>
-                <a:cs typeface="Calibri"/>
-              </a:rPr>
-              <a:t>print('Key </a:t>
-            </a:r>
-            <a:r>
-              <a:rPr sz="1600" spc="-5" dirty="0">
-                <a:latin typeface="Calibri"/>
-                <a:cs typeface="Calibri"/>
-              </a:rPr>
-              <a:t>is </a:t>
-            </a:r>
-            <a:r>
-              <a:rPr sz="1600" spc="-10" dirty="0">
-                <a:latin typeface="Calibri"/>
-                <a:cs typeface="Calibri"/>
-              </a:rPr>
-              <a:t>not </a:t>
-            </a:r>
-            <a:r>
-              <a:rPr sz="1600" spc="-15" dirty="0">
-                <a:latin typeface="Calibri"/>
-                <a:cs typeface="Calibri"/>
-              </a:rPr>
-              <a:t>present </a:t>
-            </a:r>
-            <a:r>
-              <a:rPr sz="1600" spc="-5" dirty="0">
-                <a:latin typeface="Calibri"/>
-                <a:cs typeface="Calibri"/>
-              </a:rPr>
-              <a:t>in the dictionary')  </a:t>
-            </a:r>
-            <a:r>
-              <a:rPr sz="1600" spc="-15" dirty="0">
-                <a:latin typeface="Calibri"/>
-                <a:cs typeface="Calibri"/>
-              </a:rPr>
-              <a:t>is_key_present(5)</a:t>
-            </a:r>
-            <a:endParaRPr sz="1600">
-              <a:latin typeface="Calibri"/>
-              <a:cs typeface="Calibri"/>
-            </a:endParaRPr>
-          </a:p>
-          <a:p>
-            <a:pPr marL="12700">
-              <a:lnSpc>
-                <a:spcPct val="100000"/>
-              </a:lnSpc>
-            </a:pPr>
-            <a:r>
-              <a:rPr sz="1600" spc="-15" dirty="0">
-                <a:latin typeface="Calibri"/>
-                <a:cs typeface="Calibri"/>
-              </a:rPr>
-              <a:t>is_key_present(9)</a:t>
+              <a:rPr sz="1600" spc="-10">
+                <a:latin typeface="Calibri"/>
+                <a:cs typeface="Calibri"/>
+              </a:rPr>
+              <a:t>60</a:t>
+            </a:r>
+            <a:r>
+              <a:rPr sz="1600" spc="-10" smtClean="0">
+                <a:latin typeface="Calibri"/>
+                <a:cs typeface="Calibri"/>
+              </a:rPr>
+              <a:t>}</a:t>
             </a:r>
             <a:endParaRPr sz="1600">
               <a:latin typeface="Calibri"/>
@@ -10947,6 +10840,13 @@
   <p:clrMapOvr>
     <a:masterClrMapping/>
   </p:clrMapOvr>
+  <p:timing>
+    <p:tnLst>
+      <p:par>
+        <p:cTn id="1" dur="indefinite" restart="never" nodeType="tmRoot"/>
+      </p:par>
+    </p:tnLst>
+  </p:timing>
 </p:sld>
 </file>
 
@@ -11037,7 +10937,7 @@
         <p:spPr>
           <a:xfrm>
             <a:off x="195478" y="503580"/>
-            <a:ext cx="7585709" cy="6039485"/>
+            <a:ext cx="7585709" cy="6108724"/>
           </a:xfrm>
           <a:prstGeom prst="rect">
             <a:avLst/>
@@ -11738,7 +11638,17 @@
                 <a:latin typeface="Calibri"/>
                 <a:cs typeface="Calibri"/>
               </a:rPr>
-              <a:t>be immutable objects </a:t>
+              <a:t>be </a:t>
+            </a:r>
+            <a:r>
+              <a:rPr sz="1400" spc="-5" dirty="0">
+                <a:solidFill>
+                  <a:srgbClr val="FF0000"/>
+                </a:solidFill>
+                <a:latin typeface="Calibri"/>
+                <a:cs typeface="Calibri"/>
+              </a:rPr>
+              <a:t>immutable objects </a:t>
             </a:r>
             <a:r>
               <a:rPr sz="1400" spc="-15" dirty="0">
@@ -11763,10 +11673,20 @@
             </a:r>
             <a:r>
               <a:rPr sz="1400" spc="-10" dirty="0">
-                <a:latin typeface="Calibri"/>
-                <a:cs typeface="Calibri"/>
-              </a:rPr>
-              <a:t>numbers.</a:t>
+                <a:solidFill>
+                  <a:srgbClr val="FF0000"/>
+                </a:solidFill>
+                <a:latin typeface="Calibri"/>
+                <a:cs typeface="Calibri"/>
+              </a:rPr>
+              <a:t>numbers</a:t>
+            </a:r>
+            <a:r>
+              <a:rPr sz="1400" spc="-10" dirty="0">
+                <a:latin typeface="Calibri"/>
+                <a:cs typeface="Calibri"/>
+              </a:rPr>
+              <a:t>.</a:t>
             </a:r>
             <a:endParaRPr sz="1400">
               <a:latin typeface="Calibri"/>
@@ -11797,6 +11717,9 @@
             </a:r>
             <a:r>
               <a:rPr sz="1400" spc="-20" dirty="0">
+                <a:solidFill>
+                  <a:srgbClr val="FF0000"/>
+                </a:solidFill>
                 <a:latin typeface="Calibri"/>
                 <a:cs typeface="Calibri"/>
               </a:rPr>
@@ -11804,6 +11727,9 @@
             </a:r>
             <a:r>
               <a:rPr sz="1400" spc="-10" dirty="0">
+                <a:solidFill>
+                  <a:srgbClr val="FF0000"/>
+                </a:solidFill>
                 <a:latin typeface="Calibri"/>
                 <a:cs typeface="Calibri"/>
               </a:rPr>
@@ -11811,6 +11737,9 @@
             </a:r>
             <a:r>
               <a:rPr sz="1400" spc="-5" dirty="0">
+                <a:solidFill>
+                  <a:srgbClr val="FF0000"/>
+                </a:solidFill>
                 <a:latin typeface="Calibri"/>
                 <a:cs typeface="Calibri"/>
               </a:rPr>
@@ -11818,6 +11747,9 @@
             </a:r>
             <a:r>
               <a:rPr sz="1400" spc="20" dirty="0">
+                <a:solidFill>
+                  <a:srgbClr val="FF0000"/>
+                </a:solidFill>
                 <a:latin typeface="Calibri"/>
                 <a:cs typeface="Calibri"/>
               </a:rPr>
@@ -11825,10 +11757,20 @@
             </a:r>
             <a:r>
               <a:rPr sz="1400" dirty="0">
-                <a:latin typeface="Calibri"/>
-                <a:cs typeface="Calibri"/>
-              </a:rPr>
-              <a:t>sensitive.</a:t>
+                <a:solidFill>
+                  <a:srgbClr val="FF0000"/>
+                </a:solidFill>
+                <a:latin typeface="Calibri"/>
+                <a:cs typeface="Calibri"/>
+              </a:rPr>
+              <a:t>sensitive</a:t>
+            </a:r>
+            <a:r>
+              <a:rPr sz="1400" dirty="0">
+                <a:latin typeface="Calibri"/>
+                <a:cs typeface="Calibri"/>
+              </a:rPr>
+              <a:t>.</a:t>
             </a:r>
             <a:endParaRPr sz="1400">
               <a:latin typeface="Calibri"/>
@@ -12766,6 +12708,13 @@
   <p:clrMapOvr>
     <a:masterClrMapping/>
   </p:clrMapOvr>
+  <p:timing>
+    <p:tnLst>
+      <p:par>
+        <p:cTn id="1" dur="indefinite" restart="never" nodeType="tmRoot"/>
+      </p:par>
+    </p:tnLst>
+  </p:timing>
 </p:sld>
 </file>
 
@@ -12795,7 +12744,7 @@
         <p:spPr>
           <a:xfrm>
             <a:off x="195478" y="198272"/>
-            <a:ext cx="7266305" cy="614680"/>
+            <a:ext cx="8719922" cy="637995"/>
           </a:xfrm>
           <a:prstGeom prst="rect">
             <a:avLst/>
@@ -12816,7 +12765,7 @@
               </a:spcBef>
             </a:pPr>
             <a:r>
-              <a:rPr sz="1600" b="1" dirty="0">
+              <a:rPr b="1" dirty="0">
                 <a:solidFill>
                   <a:srgbClr val="FF0000"/>
                 </a:solidFill>
@@ -12826,7 +12775,7 @@
               <a:t>Dictionary </a:t>
             </a:r>
             <a:r>
-              <a:rPr sz="1600" b="1" spc="-5" dirty="0">
+              <a:rPr b="1" spc="-5" dirty="0">
                 <a:solidFill>
                   <a:srgbClr val="FF0000"/>
                 </a:solidFill>
@@ -12836,7 +12785,7 @@
               <a:t>using dict()</a:t>
             </a:r>
             <a:r>
-              <a:rPr sz="1600" b="1" spc="10" dirty="0">
+              <a:rPr b="1" spc="10" dirty="0">
                 <a:solidFill>
                   <a:srgbClr val="FF0000"/>
                 </a:solidFill>
@@ -12846,7 +12795,7 @@
               <a:t> </a:t>
             </a:r>
             <a:r>
-              <a:rPr sz="1600" b="1" spc="-5" dirty="0">
+              <a:rPr b="1" spc="-5" dirty="0">
                 <a:solidFill>
                   <a:srgbClr val="FF0000"/>
                 </a:solidFill>
@@ -12855,7 +12804,7 @@
               </a:rPr>
               <a:t>function.</a:t>
             </a:r>
-            <a:endParaRPr sz="1600">
+            <a:endParaRPr>
               <a:latin typeface="Calibri"/>
               <a:cs typeface="Calibri"/>
             </a:endParaRPr>
@@ -13223,7 +13172,7 @@
         <p:spPr>
           <a:xfrm>
             <a:off x="195478" y="1672869"/>
-            <a:ext cx="8652510" cy="1898650"/>
+            <a:ext cx="8652510" cy="1940275"/>
           </a:xfrm>
           <a:prstGeom prst="rect">
             <a:avLst/>
@@ -13251,46 +13200,88 @@
               <a:t>&gt;&gt;&gt; </a:t>
             </a:r>
             <a:r>
+              <a:rPr sz="1600" b="1" spc="-20" dirty="0">
+                <a:latin typeface="Calibri"/>
+                <a:cs typeface="Calibri"/>
+              </a:rPr>
+              <a:t>weekdays </a:t>
+            </a:r>
+            <a:r>
+              <a:rPr sz="1600" b="1" spc="-5" dirty="0">
+                <a:latin typeface="Calibri"/>
+                <a:cs typeface="Calibri"/>
+              </a:rPr>
+              <a:t>= </a:t>
+            </a:r>
+            <a:r>
+              <a:rPr sz="1600" b="1" spc="-10" dirty="0">
+                <a:latin typeface="Calibri"/>
+                <a:cs typeface="Calibri"/>
+              </a:rPr>
+              <a:t>dict(Sunday=0, Monday=1, </a:t>
+            </a:r>
+            <a:r>
+              <a:rPr sz="1600" b="1" spc="-20" dirty="0">
+                <a:latin typeface="Calibri"/>
+                <a:cs typeface="Calibri"/>
+              </a:rPr>
+              <a:t>Tuesday=2,</a:t>
+            </a:r>
+            <a:r>
+              <a:rPr sz="1600" b="1" spc="130" dirty="0">
+                <a:latin typeface="Calibri"/>
+                <a:cs typeface="Calibri"/>
+              </a:rPr>
+              <a:t> </a:t>
+            </a:r>
+            <a:r>
+              <a:rPr sz="1600" b="1" spc="-10" dirty="0">
+                <a:latin typeface="Calibri"/>
+                <a:cs typeface="Calibri"/>
+              </a:rPr>
+              <a:t>Thursday=3)</a:t>
+            </a:r>
+            <a:endParaRPr sz="1600" b="1">
+              <a:latin typeface="Calibri"/>
+              <a:cs typeface="Calibri"/>
+            </a:endParaRPr>
+          </a:p>
+          <a:p>
+            <a:pPr marL="530860">
+              <a:lnSpc>
+                <a:spcPct val="100000"/>
+              </a:lnSpc>
+              <a:spcBef>
+                <a:spcPts val="400"/>
+              </a:spcBef>
+            </a:pPr>
+            <a:r>
+              <a:rPr sz="1600" spc="-5" dirty="0">
+                <a:latin typeface="Calibri"/>
+                <a:cs typeface="Calibri"/>
+              </a:rPr>
+              <a:t>&gt;&gt;&gt; </a:t>
+            </a:r>
+            <a:r>
+              <a:rPr sz="1600" spc="-10" dirty="0">
+                <a:latin typeface="Calibri"/>
+                <a:cs typeface="Calibri"/>
+              </a:rPr>
+              <a:t>print</a:t>
+            </a:r>
+            <a:r>
+              <a:rPr sz="1600" spc="10" dirty="0">
+                <a:latin typeface="Calibri"/>
+                <a:cs typeface="Calibri"/>
+              </a:rPr>
+              <a:t> </a:t>
+            </a:r>
+            <a:r>
               <a:rPr sz="1600" spc="-20" dirty="0">
                 <a:latin typeface="Calibri"/>
                 <a:cs typeface="Calibri"/>
               </a:rPr>
-              <a:t>weekdays </a:t>
-            </a:r>
-            <a:r>
-              <a:rPr sz="1600" spc="-5" dirty="0">
-                <a:latin typeface="Calibri"/>
-                <a:cs typeface="Calibri"/>
-              </a:rPr>
-              <a:t>= </a:t>
-            </a:r>
-            <a:r>
-              <a:rPr sz="1600" spc="-10" dirty="0">
-                <a:latin typeface="Calibri"/>
-                <a:cs typeface="Calibri"/>
-              </a:rPr>
-              <a:t>dict(Sunday=0, Monday=1, </a:t>
-            </a:r>
-            <a:r>
-              <a:rPr sz="1600" spc="-20" dirty="0">
-                <a:latin typeface="Calibri"/>
-                <a:cs typeface="Calibri"/>
-              </a:rPr>
-              <a:t>Tuesday=2,</a:t>
-            </a:r>
-            <a:r>
-              <a:rPr sz="1600" spc="130" dirty="0">
-                <a:latin typeface="Calibri"/>
-                <a:cs typeface="Calibri"/>
-              </a:rPr>
-              <a:t> </a:t>
-            </a:r>
-            <a:r>
-              <a:rPr sz="1600" spc="-10" dirty="0">
-                <a:latin typeface="Calibri"/>
-                <a:cs typeface="Calibri"/>
-              </a:rPr>
-              <a:t>Thursday=3)</a:t>
+              <a:t>(weekdays)</a:t>
             </a:r>
             <a:endParaRPr sz="1600">
               <a:latin typeface="Calibri"/>
@@ -13303,36 +13294,71 @@
                 <a:spcPct val="100000"/>
               </a:lnSpc>
               <a:spcBef>
-                <a:spcPts val="400"/>
+                <a:spcPts val="395"/>
               </a:spcBef>
             </a:pPr>
             <a:r>
-              <a:rPr sz="1600" spc="-5" dirty="0">
-                <a:latin typeface="Calibri"/>
-                <a:cs typeface="Calibri"/>
-              </a:rPr>
-              <a:t>&gt;&gt;&gt; </a:t>
-            </a:r>
-            <a:r>
-              <a:rPr sz="1600" spc="-10" dirty="0">
-                <a:latin typeface="Calibri"/>
-                <a:cs typeface="Calibri"/>
-              </a:rPr>
-              <a:t>print</a:t>
-            </a:r>
-            <a:r>
-              <a:rPr sz="1600" spc="10" dirty="0">
+              <a:rPr sz="1600" spc="-10" dirty="0">
+                <a:latin typeface="Calibri"/>
+                <a:cs typeface="Calibri"/>
+              </a:rPr>
+              <a:t>{'Sunday': </a:t>
+            </a:r>
+            <a:r>
+              <a:rPr sz="1600" spc="-5" dirty="0">
+                <a:latin typeface="Calibri"/>
+                <a:cs typeface="Calibri"/>
+              </a:rPr>
+              <a:t>0, </a:t>
+            </a:r>
+            <a:r>
+              <a:rPr sz="1600" spc="-10" dirty="0">
+                <a:latin typeface="Calibri"/>
+                <a:cs typeface="Calibri"/>
+              </a:rPr>
+              <a:t>'Monday': </a:t>
+            </a:r>
+            <a:r>
+              <a:rPr sz="1600" spc="-5" dirty="0">
+                <a:latin typeface="Calibri"/>
+                <a:cs typeface="Calibri"/>
+              </a:rPr>
+              <a:t>1, </a:t>
+            </a:r>
+            <a:r>
+              <a:rPr sz="1600" spc="-20" dirty="0">
+                <a:latin typeface="Calibri"/>
+                <a:cs typeface="Calibri"/>
+              </a:rPr>
+              <a:t>'Tuesday': </a:t>
+            </a:r>
+            <a:r>
+              <a:rPr sz="1600" spc="-5" dirty="0">
+                <a:latin typeface="Calibri"/>
+                <a:cs typeface="Calibri"/>
+              </a:rPr>
+              <a:t>2, </a:t>
+            </a:r>
+            <a:r>
+              <a:rPr sz="1600" spc="-10" dirty="0">
+                <a:latin typeface="Calibri"/>
+                <a:cs typeface="Calibri"/>
+              </a:rPr>
+              <a:t>'Thursday':</a:t>
+            </a:r>
+            <a:r>
+              <a:rPr sz="1600" spc="35" dirty="0">
                 <a:latin typeface="Calibri"/>
                 <a:cs typeface="Calibri"/>
               </a:rPr>
               <a:t> </a:t>
             </a:r>
             <a:r>
-              <a:rPr sz="1600" spc="-20" dirty="0">
-                <a:latin typeface="Calibri"/>
-                <a:cs typeface="Calibri"/>
-              </a:rPr>
-              <a:t>(weekdays)</a:t>
+              <a:rPr sz="1600" spc="-10" dirty="0">
+                <a:latin typeface="Calibri"/>
+                <a:cs typeface="Calibri"/>
+              </a:rPr>
+              <a:t>3}</a:t>
             </a:r>
             <a:endParaRPr sz="1600">
               <a:latin typeface="Calibri"/>
@@ -13340,83 +13366,6 @@
             </a:endParaRPr>
           </a:p>
           <a:p>
-            <a:pPr marL="530860">
-              <a:lnSpc>
-                <a:spcPct val="100000"/>
-              </a:lnSpc>
-              <a:spcBef>
-                <a:spcPts val="395"/>
-              </a:spcBef>
-            </a:pPr>
-            <a:r>
-              <a:rPr sz="1600" spc="-10" dirty="0">
-                <a:latin typeface="Calibri"/>
-                <a:cs typeface="Calibri"/>
-              </a:rPr>
-              <a:t>{'Sunday': </a:t>
-            </a:r>
-            <a:r>
-              <a:rPr sz="1600" spc="-5" dirty="0">
-                <a:latin typeface="Calibri"/>
-                <a:cs typeface="Calibri"/>
-              </a:rPr>
-              <a:t>0, </a:t>
-            </a:r>
-            <a:r>
-              <a:rPr sz="1600" spc="-10" dirty="0">
-                <a:latin typeface="Calibri"/>
-                <a:cs typeface="Calibri"/>
-              </a:rPr>
-              <a:t>'Monday': </a:t>
-            </a:r>
-            <a:r>
-              <a:rPr sz="1600" spc="-5" dirty="0">
-                <a:latin typeface="Calibri"/>
-                <a:cs typeface="Calibri"/>
-              </a:rPr>
-              <a:t>1, </a:t>
-            </a:r>
-            <a:r>
-              <a:rPr sz="1600" spc="-20" dirty="0">
-                <a:latin typeface="Calibri"/>
-                <a:cs typeface="Calibri"/>
-              </a:rPr>
-              <a:t>'Tuesday': </a:t>
-            </a:r>
-            <a:r>
-              <a:rPr sz="1600" spc="-5" dirty="0">
-                <a:latin typeface="Calibri"/>
-                <a:cs typeface="Calibri"/>
-              </a:rPr>
-              <a:t>2, </a:t>
-            </a:r>
-            <a:r>
-              <a:rPr sz="1600" spc="-10" dirty="0">
-                <a:latin typeface="Calibri"/>
-                <a:cs typeface="Calibri"/>
-              </a:rPr>
-              <a:t>'Thursday':</a:t>
-            </a:r>
-            <a:r>
-              <a:rPr sz="1600" spc="35" dirty="0">
-                <a:latin typeface="Calibri"/>
-                <a:cs typeface="Calibri"/>
-              </a:rPr>
-              <a:t> </a:t>
-            </a:r>
-            <a:r>
-              <a:rPr sz="1600" spc="-10" dirty="0">
-                <a:latin typeface="Calibri"/>
-                <a:cs typeface="Calibri"/>
-              </a:rPr>
-              <a:t>3}</a:t>
-            </a:r>
-            <a:endParaRPr sz="1600">
-              <a:latin typeface="Calibri"/>
-              <a:cs typeface="Calibri"/>
-            </a:endParaRPr>
-          </a:p>
-          <a:p>
             <a:pPr>
               <a:lnSpc>
                 <a:spcPct val="100000"/>
@@ -13437,7 +13386,7 @@
               </a:lnSpc>
             </a:pPr>
             <a:r>
-              <a:rPr sz="1600" b="1" spc="-10" dirty="0">
+              <a:rPr b="1" spc="-10" dirty="0">
                 <a:solidFill>
                   <a:srgbClr val="FF0000"/>
                 </a:solidFill>
@@ -13447,7 +13396,7 @@
               <a:t>Creating empty </a:t>
             </a:r>
             <a:r>
-              <a:rPr sz="1600" b="1" dirty="0">
+              <a:rPr b="1" dirty="0">
                 <a:solidFill>
                   <a:srgbClr val="FF0000"/>
                 </a:solidFill>
@@ -13457,7 +13406,7 @@
               <a:t>dictionary </a:t>
             </a:r>
             <a:r>
-              <a:rPr sz="1600" b="1" spc="-5" dirty="0">
+              <a:rPr b="1" spc="-5" dirty="0">
                 <a:solidFill>
                   <a:srgbClr val="FF0000"/>
                 </a:solidFill>
@@ -13467,7 +13416,7 @@
               <a:t>using</a:t>
             </a:r>
             <a:r>
-              <a:rPr sz="1600" b="1" spc="35" dirty="0">
+              <a:rPr b="1" spc="35" dirty="0">
                 <a:solidFill>
                   <a:srgbClr val="FF0000"/>
                 </a:solidFill>
@@ -13477,7 +13426,7 @@
               <a:t> </a:t>
             </a:r>
             <a:r>
-              <a:rPr sz="1600" b="1" spc="-5" dirty="0">
+              <a:rPr b="1" spc="-5" dirty="0">
                 <a:solidFill>
                   <a:srgbClr val="FF0000"/>
                 </a:solidFill>
@@ -13486,7 +13435,7 @@
               </a:rPr>
               <a:t>{}.</a:t>
             </a:r>
-            <a:endParaRPr sz="1600">
+            <a:endParaRPr>
               <a:latin typeface="Calibri"/>
               <a:cs typeface="Calibri"/>
             </a:endParaRPr>
@@ -14381,6 +14330,13 @@
   <p:clrMapOvr>
     <a:masterClrMapping/>
   </p:clrMapOvr>
+  <p:timing>
+    <p:tnLst>
+      <p:par>
+        <p:cTn id="1" dur="indefinite" restart="never" nodeType="tmRoot"/>
+      </p:par>
+    </p:tnLst>
+  </p:timing>
 </p:sld>
 </file>
 
@@ -14718,6 +14674,9 @@
             </a:r>
             <a:r>
               <a:rPr sz="1800" spc="-25" dirty="0">
+                <a:solidFill>
+                  <a:srgbClr val="FF0000"/>
+                </a:solidFill>
                 <a:latin typeface="Calibri"/>
                 <a:cs typeface="Calibri"/>
               </a:rPr>
@@ -14725,10 +14684,20 @@
             </a:r>
             <a:r>
               <a:rPr sz="1800" dirty="0">
-                <a:latin typeface="Calibri"/>
-                <a:cs typeface="Calibri"/>
-              </a:rPr>
-              <a:t>name, inside </a:t>
+                <a:solidFill>
+                  <a:srgbClr val="FF0000"/>
+                </a:solidFill>
+                <a:latin typeface="Calibri"/>
+                <a:cs typeface="Calibri"/>
+              </a:rPr>
+              <a:t>name</a:t>
+            </a:r>
+            <a:r>
+              <a:rPr sz="1800" dirty="0">
+                <a:latin typeface="Calibri"/>
+                <a:cs typeface="Calibri"/>
+              </a:rPr>
+              <a:t>, inside </a:t>
             </a:r>
             <a:r>
               <a:rPr sz="1800" spc="-5" dirty="0">
@@ -15144,6 +15113,13 @@
   <p:clrMapOvr>
     <a:masterClrMapping/>
   </p:clrMapOvr>
+  <p:timing>
+    <p:tnLst>
+      <p:par>
+        <p:cTn id="1" dur="indefinite" restart="never" nodeType="tmRoot"/>
+      </p:par>
+    </p:tnLst>
+  </p:timing>
 </p:sld>
 </file>
 
@@ -16350,6 +16326,13 @@
   <p:clrMapOvr>
     <a:masterClrMapping/>
   </p:clrMapOvr>
+  <p:timing>
+    <p:tnLst>
+      <p:par>
+        <p:cTn id="1" dur="indefinite" restart="never" nodeType="tmRoot"/>
+      </p:par>
+    </p:tnLst>
+  </p:timing>
 </p:sld>
 </file>
 
@@ -17151,6 +17134,13 @@
   <p:clrMapOvr>
     <a:masterClrMapping/>
   </p:clrMapOvr>
+  <p:timing>
+    <p:tnLst>
+      <p:par>
+        <p:cTn id="1" dur="indefinite" restart="never" nodeType="tmRoot"/>
+      </p:par>
+    </p:tnLst>
+  </p:timing>
 </p:sld>
 </file>
 
@@ -17855,6 +17845,13 @@
   <p:clrMapOvr>
     <a:masterClrMapping/>
   </p:clrMapOvr>
+  <p:timing>
+    <p:tnLst>
+      <p:par>
+        <p:cTn id="1" dur="indefinite" restart="never" nodeType="tmRoot"/>
+      </p:par>
+    </p:tnLst>
+  </p:timing>
 </p:sld>
 </file>
 
@@ -18685,6 +18682,13 @@
   <p:clrMapOvr>
     <a:masterClrMapping/>
   </p:clrMapOvr>
+  <p:timing>
+    <p:tnLst>
+      <p:par>
+        <p:cTn id="1" dur="indefinite" restart="never" nodeType="tmRoot"/>
+      </p:par>
+    </p:tnLst>
+  </p:timing>
 </p:sld>
 </file>
 
@@ -20415,6 +20419,13 @@
   <p:clrMapOvr>
     <a:masterClrMapping/>
   </p:clrMapOvr>
+  <p:timing>
+    <p:tnLst>
+      <p:par>
+        <p:cTn id="1" dur="indefinite" restart="never" nodeType="tmRoot"/>
+      </p:par>
+    </p:tnLst>
+  </p:timing>
 </p:sld>
 </file>
 
